--- a/202355673_project.pptx
+++ b/202355673_project.pptx
@@ -812,7 +812,7 @@
   <p:cSld>
     <p:spTree>
       <p:nvGrpSpPr>
-        <p:cNvPr id="108" name="Shape 108"/>
+        <p:cNvPr id="107" name="Shape 107"/>
         <p:cNvGrpSpPr/>
         <p:nvPr/>
       </p:nvGrpSpPr>
@@ -826,7 +826,7 @@
       </p:grpSpPr>
       <p:sp>
         <p:nvSpPr>
-          <p:cNvPr id="109" name="Google Shape;109;g317ffac7863_0_248:notes"/>
+          <p:cNvPr id="108" name="Google Shape;108;g317ffac7863_0_248:notes"/>
           <p:cNvSpPr/>
           <p:nvPr>
             <p:ph idx="2" type="sldImg"/>
@@ -861,7 +861,7 @@
       </p:sp>
       <p:sp>
         <p:nvSpPr>
-          <p:cNvPr id="110" name="Google Shape;110;g317ffac7863_0_248:notes"/>
+          <p:cNvPr id="109" name="Google Shape;109;g317ffac7863_0_248:notes"/>
           <p:cNvSpPr txBox="1"/>
           <p:nvPr>
             <p:ph idx="1" type="body"/>
@@ -1406,7 +1406,7 @@
   <p:cSld>
     <p:spTree>
       <p:nvGrpSpPr>
-        <p:cNvPr id="89" name="Shape 89"/>
+        <p:cNvPr id="88" name="Shape 88"/>
         <p:cNvGrpSpPr/>
         <p:nvPr/>
       </p:nvGrpSpPr>
@@ -1420,7 +1420,7 @@
       </p:grpSpPr>
       <p:sp>
         <p:nvSpPr>
-          <p:cNvPr id="90" name="Google Shape;90;g317ffac7863_0_273:notes"/>
+          <p:cNvPr id="89" name="Google Shape;89;g317ffac7863_0_273:notes"/>
           <p:cNvSpPr/>
           <p:nvPr>
             <p:ph idx="2" type="sldImg"/>
@@ -1455,7 +1455,7 @@
       </p:sp>
       <p:sp>
         <p:nvSpPr>
-          <p:cNvPr id="91" name="Google Shape;91;g317ffac7863_0_273:notes"/>
+          <p:cNvPr id="90" name="Google Shape;90;g317ffac7863_0_273:notes"/>
           <p:cNvSpPr txBox="1"/>
           <p:nvPr>
             <p:ph idx="1" type="body"/>
@@ -1505,7 +1505,7 @@
   <p:cSld>
     <p:spTree>
       <p:nvGrpSpPr>
-        <p:cNvPr id="96" name="Shape 96"/>
+        <p:cNvPr id="95" name="Shape 95"/>
         <p:cNvGrpSpPr/>
         <p:nvPr/>
       </p:nvGrpSpPr>
@@ -1519,7 +1519,7 @@
       </p:grpSpPr>
       <p:sp>
         <p:nvSpPr>
-          <p:cNvPr id="97" name="Google Shape;97;g317ffac7863_0_267:notes"/>
+          <p:cNvPr id="96" name="Google Shape;96;g317ffac7863_0_267:notes"/>
           <p:cNvSpPr/>
           <p:nvPr>
             <p:ph idx="2" type="sldImg"/>
@@ -1554,7 +1554,7 @@
       </p:sp>
       <p:sp>
         <p:nvSpPr>
-          <p:cNvPr id="98" name="Google Shape;98;g317ffac7863_0_267:notes"/>
+          <p:cNvPr id="97" name="Google Shape;97;g317ffac7863_0_267:notes"/>
           <p:cNvSpPr txBox="1"/>
           <p:nvPr>
             <p:ph idx="1" type="body"/>
@@ -1604,7 +1604,7 @@
   <p:cSld>
     <p:spTree>
       <p:nvGrpSpPr>
-        <p:cNvPr id="103" name="Shape 103"/>
+        <p:cNvPr id="102" name="Shape 102"/>
         <p:cNvGrpSpPr/>
         <p:nvPr/>
       </p:nvGrpSpPr>
@@ -1618,7 +1618,7 @@
       </p:grpSpPr>
       <p:sp>
         <p:nvSpPr>
-          <p:cNvPr id="104" name="Google Shape;104;g317ffac7863_0_282:notes"/>
+          <p:cNvPr id="103" name="Google Shape;103;g317ffac7863_0_282:notes"/>
           <p:cNvSpPr/>
           <p:nvPr>
             <p:ph idx="2" type="sldImg"/>
@@ -1653,7 +1653,7 @@
       </p:sp>
       <p:sp>
         <p:nvSpPr>
-          <p:cNvPr id="105" name="Google Shape;105;g317ffac7863_0_282:notes"/>
+          <p:cNvPr id="104" name="Google Shape;104;g317ffac7863_0_282:notes"/>
           <p:cNvSpPr txBox="1"/>
           <p:nvPr>
             <p:ph idx="1" type="body"/>
@@ -7077,7 +7077,7 @@
   <p:cSld>
     <p:spTree>
       <p:nvGrpSpPr>
-        <p:cNvPr id="111" name="Shape 111"/>
+        <p:cNvPr id="110" name="Shape 110"/>
         <p:cNvGrpSpPr/>
         <p:nvPr/>
       </p:nvGrpSpPr>
@@ -7091,7 +7091,7 @@
       </p:grpSpPr>
       <p:sp>
         <p:nvSpPr>
-          <p:cNvPr id="112" name="Google Shape;112;p22"/>
+          <p:cNvPr id="111" name="Google Shape;111;p22"/>
           <p:cNvSpPr txBox="1"/>
           <p:nvPr>
             <p:ph type="title"/>
@@ -7150,7 +7150,7 @@
       </p:sp>
       <p:sp>
         <p:nvSpPr>
-          <p:cNvPr id="113" name="Google Shape;113;p22"/>
+          <p:cNvPr id="112" name="Google Shape;112;p22"/>
           <p:cNvSpPr txBox="1"/>
           <p:nvPr>
             <p:ph idx="1" type="body"/>
@@ -8399,17 +8399,18 @@
           <p:cNvPicPr preferRelativeResize="0"/>
           <p:nvPr/>
         </p:nvPicPr>
-        <p:blipFill rotWithShape="1">
+        <p:blipFill>
           <a:blip r:embed="rId4">
             <a:alphaModFix/>
           </a:blip>
-          <a:srcRect b="46870" l="0" r="74696" t="11628"/>
-          <a:stretch/>
+          <a:stretch>
+            <a:fillRect/>
+          </a:stretch>
         </p:blipFill>
         <p:spPr>
           <a:xfrm>
-            <a:off x="4892950" y="1091388"/>
-            <a:ext cx="3787315" cy="3275624"/>
+            <a:off x="4563326" y="1170125"/>
+            <a:ext cx="4428274" cy="2857746"/>
           </a:xfrm>
           <a:prstGeom prst="rect">
             <a:avLst/>
@@ -8445,57 +8446,9 @@
           <a:chExt cx="0" cy="0"/>
         </a:xfrm>
       </p:grpSpPr>
-      <p:sp>
-        <p:nvSpPr>
-          <p:cNvPr id="87" name="Google Shape;87;p18"/>
-          <p:cNvSpPr txBox="1"/>
-          <p:nvPr>
-            <p:ph type="title"/>
-          </p:nvPr>
-        </p:nvSpPr>
-        <p:spPr>
-          <a:xfrm>
-            <a:off x="311700" y="445025"/>
-            <a:ext cx="8520600" cy="572700"/>
-          </a:xfrm>
-          <a:prstGeom prst="rect">
-            <a:avLst/>
-          </a:prstGeom>
-        </p:spPr>
-        <p:txBody>
-          <a:bodyPr anchorCtr="0" anchor="t" bIns="91425" lIns="91425" spcFirstLastPara="1" rIns="91425" wrap="square" tIns="91425">
-            <a:normAutofit fontScale="90000"/>
-          </a:bodyPr>
-          <a:lstStyle/>
-          <a:p>
-            <a:pPr indent="0" lvl="0" marL="0" rtl="0" algn="l">
-              <a:spcBef>
-                <a:spcPts val="0"/>
-              </a:spcBef>
-              <a:spcAft>
-                <a:spcPts val="0"/>
-              </a:spcAft>
-              <a:buNone/>
-            </a:pPr>
-            <a:r>
-              <a:rPr lang="en">
-                <a:solidFill>
-                  <a:schemeClr val="accent5"/>
-                </a:solidFill>
-              </a:rPr>
-              <a:t>Demo</a:t>
-            </a:r>
-            <a:endParaRPr>
-              <a:solidFill>
-                <a:schemeClr val="accent5"/>
-              </a:solidFill>
-            </a:endParaRPr>
-          </a:p>
-        </p:txBody>
-      </p:sp>
       <p:pic>
         <p:nvPicPr>
-          <p:cNvPr id="88" name="Google Shape;88;p18"/>
+          <p:cNvPr id="87" name="Google Shape;87;p18"/>
           <p:cNvPicPr preferRelativeResize="0"/>
           <p:nvPr/>
         </p:nvPicPr>
@@ -8509,8 +8462,8 @@
         </p:blipFill>
         <p:spPr>
           <a:xfrm>
-            <a:off x="221763" y="330800"/>
-            <a:ext cx="8700477" cy="4481925"/>
+            <a:off x="152400" y="152400"/>
+            <a:ext cx="8839204" cy="4760567"/>
           </a:xfrm>
           <a:prstGeom prst="rect">
             <a:avLst/>
@@ -8534,7 +8487,7 @@
   <p:cSld>
     <p:spTree>
       <p:nvGrpSpPr>
-        <p:cNvPr id="92" name="Shape 92"/>
+        <p:cNvPr id="91" name="Shape 91"/>
         <p:cNvGrpSpPr/>
         <p:nvPr/>
       </p:nvGrpSpPr>
@@ -8546,57 +8499,9 @@
           <a:chExt cx="0" cy="0"/>
         </a:xfrm>
       </p:grpSpPr>
-      <p:sp>
-        <p:nvSpPr>
-          <p:cNvPr id="93" name="Google Shape;93;p19"/>
-          <p:cNvSpPr txBox="1"/>
-          <p:nvPr>
-            <p:ph type="title"/>
-          </p:nvPr>
-        </p:nvSpPr>
-        <p:spPr>
-          <a:xfrm>
-            <a:off x="311700" y="445025"/>
-            <a:ext cx="8520600" cy="572700"/>
-          </a:xfrm>
-          <a:prstGeom prst="rect">
-            <a:avLst/>
-          </a:prstGeom>
-        </p:spPr>
-        <p:txBody>
-          <a:bodyPr anchorCtr="0" anchor="t" bIns="91425" lIns="91425" spcFirstLastPara="1" rIns="91425" wrap="square" tIns="91425">
-            <a:normAutofit fontScale="90000"/>
-          </a:bodyPr>
-          <a:lstStyle/>
-          <a:p>
-            <a:pPr indent="0" lvl="0" marL="0" rtl="0" algn="l">
-              <a:spcBef>
-                <a:spcPts val="0"/>
-              </a:spcBef>
-              <a:spcAft>
-                <a:spcPts val="0"/>
-              </a:spcAft>
-              <a:buNone/>
-            </a:pPr>
-            <a:r>
-              <a:rPr lang="en">
-                <a:solidFill>
-                  <a:schemeClr val="accent5"/>
-                </a:solidFill>
-              </a:rPr>
-              <a:t>Demo</a:t>
-            </a:r>
-            <a:endParaRPr>
-              <a:solidFill>
-                <a:schemeClr val="accent5"/>
-              </a:solidFill>
-            </a:endParaRPr>
-          </a:p>
-        </p:txBody>
-      </p:sp>
       <p:pic>
         <p:nvPicPr>
-          <p:cNvPr id="94" name="Google Shape;94;p19"/>
+          <p:cNvPr id="92" name="Google Shape;92;p19"/>
           <p:cNvPicPr preferRelativeResize="0"/>
           <p:nvPr/>
         </p:nvPicPr>
@@ -8610,8 +8515,8 @@
         </p:blipFill>
         <p:spPr>
           <a:xfrm>
-            <a:off x="221763" y="330800"/>
-            <a:ext cx="8700477" cy="4481925"/>
+            <a:off x="152400" y="152400"/>
+            <a:ext cx="2487790" cy="4838701"/>
           </a:xfrm>
           <a:prstGeom prst="rect">
             <a:avLst/>
@@ -8624,7 +8529,7 @@
       </p:pic>
       <p:pic>
         <p:nvPicPr>
-          <p:cNvPr id="95" name="Google Shape;95;p19"/>
+          <p:cNvPr id="93" name="Google Shape;93;p19"/>
           <p:cNvPicPr preferRelativeResize="0"/>
           <p:nvPr/>
         </p:nvPicPr>
@@ -8638,8 +8543,35 @@
         </p:blipFill>
         <p:spPr>
           <a:xfrm>
-            <a:off x="221775" y="330800"/>
-            <a:ext cx="8700477" cy="4452179"/>
+            <a:off x="3041275" y="761249"/>
+            <a:ext cx="5698875" cy="1215075"/>
+          </a:xfrm>
+          <a:prstGeom prst="rect">
+            <a:avLst/>
+          </a:prstGeom>
+          <a:noFill/>
+          <a:ln>
+            <a:noFill/>
+          </a:ln>
+        </p:spPr>
+      </p:pic>
+      <p:pic>
+        <p:nvPicPr>
+          <p:cNvPr id="94" name="Google Shape;94;p19"/>
+          <p:cNvPicPr preferRelativeResize="0"/>
+          <p:nvPr/>
+        </p:nvPicPr>
+        <p:blipFill rotWithShape="1">
+          <a:blip r:embed="rId5">
+            <a:alphaModFix/>
+          </a:blip>
+          <a:srcRect b="0" l="0" r="50298" t="0"/>
+          <a:stretch/>
+        </p:blipFill>
+        <p:spPr>
+          <a:xfrm>
+            <a:off x="3283488" y="2415100"/>
+            <a:ext cx="5214449" cy="2028650"/>
           </a:xfrm>
           <a:prstGeom prst="rect">
             <a:avLst/>
@@ -8663,7 +8595,7 @@
   <p:cSld>
     <p:spTree>
       <p:nvGrpSpPr>
-        <p:cNvPr id="99" name="Shape 99"/>
+        <p:cNvPr id="98" name="Shape 98"/>
         <p:cNvGrpSpPr/>
         <p:nvPr/>
       </p:nvGrpSpPr>
@@ -8677,7 +8609,7 @@
       </p:grpSpPr>
       <p:pic>
         <p:nvPicPr>
-          <p:cNvPr id="100" name="Google Shape;100;p20"/>
+          <p:cNvPr id="99" name="Google Shape;99;p20"/>
           <p:cNvPicPr preferRelativeResize="0"/>
           <p:nvPr/>
         </p:nvPicPr>
@@ -8691,8 +8623,36 @@
         </p:blipFill>
         <p:spPr>
           <a:xfrm>
-            <a:off x="320375" y="605351"/>
-            <a:ext cx="5077901" cy="4007701"/>
+            <a:off x="5101425" y="152400"/>
+            <a:ext cx="3890173" cy="2150292"/>
+          </a:xfrm>
+          <a:prstGeom prst="rect">
+            <a:avLst/>
+          </a:prstGeom>
+          <a:noFill/>
+          <a:ln>
+            <a:noFill/>
+          </a:ln>
+        </p:spPr>
+      </p:pic>
+      <p:pic>
+        <p:nvPicPr>
+          <p:cNvPr id="100" name="Google Shape;100;p20"/>
+          <p:cNvPicPr preferRelativeResize="0"/>
+          <p:nvPr/>
+        </p:nvPicPr>
+        <p:blipFill>
+          <a:blip r:embed="rId4">
+            <a:alphaModFix/>
+          </a:blip>
+          <a:stretch>
+            <a:fillRect/>
+          </a:stretch>
+        </p:blipFill>
+        <p:spPr>
+          <a:xfrm>
+            <a:off x="5101425" y="2455092"/>
+            <a:ext cx="3260582" cy="2536008"/>
           </a:xfrm>
           <a:prstGeom prst="rect">
             <a:avLst/>
@@ -8710,34 +8670,6 @@
           <p:nvPr/>
         </p:nvPicPr>
         <p:blipFill>
-          <a:blip r:embed="rId4">
-            <a:alphaModFix/>
-          </a:blip>
-          <a:stretch>
-            <a:fillRect/>
-          </a:stretch>
-        </p:blipFill>
-        <p:spPr>
-          <a:xfrm>
-            <a:off x="5708250" y="264950"/>
-            <a:ext cx="2954325" cy="2249118"/>
-          </a:xfrm>
-          <a:prstGeom prst="rect">
-            <a:avLst/>
-          </a:prstGeom>
-          <a:noFill/>
-          <a:ln>
-            <a:noFill/>
-          </a:ln>
-        </p:spPr>
-      </p:pic>
-      <p:pic>
-        <p:nvPicPr>
-          <p:cNvPr id="102" name="Google Shape;102;p20"/>
-          <p:cNvPicPr preferRelativeResize="0"/>
-          <p:nvPr/>
-        </p:nvPicPr>
-        <p:blipFill>
           <a:blip r:embed="rId5">
             <a:alphaModFix/>
           </a:blip>
@@ -8747,8 +8679,8 @@
         </p:blipFill>
         <p:spPr>
           <a:xfrm>
-            <a:off x="5708250" y="2571740"/>
-            <a:ext cx="2954326" cy="2325260"/>
+            <a:off x="178375" y="303850"/>
+            <a:ext cx="4796624" cy="4535799"/>
           </a:xfrm>
           <a:prstGeom prst="rect">
             <a:avLst/>
@@ -8772,7 +8704,7 @@
   <p:cSld>
     <p:spTree>
       <p:nvGrpSpPr>
-        <p:cNvPr id="106" name="Shape 106"/>
+        <p:cNvPr id="105" name="Shape 105"/>
         <p:cNvGrpSpPr/>
         <p:nvPr/>
       </p:nvGrpSpPr>
@@ -8786,7 +8718,7 @@
       </p:grpSpPr>
       <p:pic>
         <p:nvPicPr>
-          <p:cNvPr id="107" name="Google Shape;107;p21"/>
+          <p:cNvPr id="106" name="Google Shape;106;p21"/>
           <p:cNvPicPr preferRelativeResize="0"/>
           <p:nvPr/>
         </p:nvPicPr>
@@ -8800,8 +8732,8 @@
         </p:blipFill>
         <p:spPr>
           <a:xfrm>
-            <a:off x="519850" y="336950"/>
-            <a:ext cx="8104300" cy="4341024"/>
+            <a:off x="152400" y="152400"/>
+            <a:ext cx="8839204" cy="4557714"/>
           </a:xfrm>
           <a:prstGeom prst="rect">
             <a:avLst/>
